--- a/DAT605_4Cast_Todo_Presentation.pptx
+++ b/DAT605_4Cast_Todo_Presentation.pptx
@@ -5,7 +5,7 @@
     <p:sldMasterId id="2147483648" r:id="rId1"/>
   </p:sldMasterIdLst>
   <p:notesMasterIdLst>
-    <p:notesMasterId r:id="rId18"/>
+    <p:notesMasterId r:id="rId19"/>
   </p:notesMasterIdLst>
   <p:sldIdLst>
     <p:sldId id="256" r:id="rId2"/>
@@ -13,17 +13,18 @@
     <p:sldId id="258" r:id="rId4"/>
     <p:sldId id="269" r:id="rId5"/>
     <p:sldId id="259" r:id="rId6"/>
-    <p:sldId id="266" r:id="rId7"/>
-    <p:sldId id="268" r:id="rId8"/>
-    <p:sldId id="267" r:id="rId9"/>
-    <p:sldId id="260" r:id="rId10"/>
-    <p:sldId id="270" r:id="rId11"/>
-    <p:sldId id="272" r:id="rId12"/>
-    <p:sldId id="261" r:id="rId13"/>
-    <p:sldId id="271" r:id="rId14"/>
-    <p:sldId id="262" r:id="rId15"/>
-    <p:sldId id="265" r:id="rId16"/>
-    <p:sldId id="264" r:id="rId17"/>
+    <p:sldId id="273" r:id="rId7"/>
+    <p:sldId id="266" r:id="rId8"/>
+    <p:sldId id="268" r:id="rId9"/>
+    <p:sldId id="267" r:id="rId10"/>
+    <p:sldId id="260" r:id="rId11"/>
+    <p:sldId id="270" r:id="rId12"/>
+    <p:sldId id="272" r:id="rId13"/>
+    <p:sldId id="261" r:id="rId14"/>
+    <p:sldId id="271" r:id="rId15"/>
+    <p:sldId id="262" r:id="rId16"/>
+    <p:sldId id="265" r:id="rId17"/>
+    <p:sldId id="264" r:id="rId18"/>
   </p:sldIdLst>
   <p:sldSz cx="12192000" cy="6858000"/>
   <p:notesSz cx="6858000" cy="9144000"/>
@@ -212,7 +213,7 @@
           <a:p>
             <a:fld id="{03EBEC96-9CBA-C04C-8966-4BA31F7E01E9}" type="datetimeFigureOut">
               <a:rPr lang="en-US" smtClean="0"/>
-              <a:t>10/17/16</a:t>
+              <a:t>10/18/16</a:t>
             </a:fld>
             <a:endParaRPr lang="en-US"/>
           </a:p>
@@ -790,7 +791,7 @@
           <a:p>
             <a:fld id="{E12B2A16-6AC9-2740-989F-A776BE76CDD6}" type="datetime1">
               <a:rPr lang="en-US" smtClean="0"/>
-              <a:t>10/17/16</a:t>
+              <a:t>10/18/16</a:t>
             </a:fld>
             <a:endParaRPr lang="en-US" dirty="0"/>
           </a:p>
@@ -993,7 +994,7 @@
           <a:p>
             <a:fld id="{DBD34CBE-A12E-7041-8292-51DA5AF1941C}" type="datetime1">
               <a:rPr lang="en-US" smtClean="0"/>
-              <a:t>10/17/16</a:t>
+              <a:t>10/18/16</a:t>
             </a:fld>
             <a:endParaRPr lang="en-US" dirty="0"/>
           </a:p>
@@ -1244,7 +1245,7 @@
           <a:p>
             <a:fld id="{E7AA3EE1-52CB-154F-A8D3-B2E2E39086FD}" type="datetime1">
               <a:rPr lang="en-US" smtClean="0"/>
-              <a:t>10/17/16</a:t>
+              <a:t>10/18/16</a:t>
             </a:fld>
             <a:endParaRPr lang="en-US" dirty="0"/>
           </a:p>
@@ -1413,7 +1414,7 @@
           <a:p>
             <a:fld id="{DEAF6EBA-6121-E745-9970-70724AC6C577}" type="datetime1">
               <a:rPr lang="en-US" smtClean="0"/>
-              <a:t>10/17/16</a:t>
+              <a:t>10/18/16</a:t>
             </a:fld>
             <a:endParaRPr lang="en-US" dirty="0"/>
           </a:p>
@@ -1781,7 +1782,7 @@
           <a:p>
             <a:fld id="{A5BEB423-85E4-DC45-989D-97EBBC7C76A5}" type="datetime1">
               <a:rPr lang="en-US" smtClean="0"/>
-              <a:t>10/17/16</a:t>
+              <a:t>10/18/16</a:t>
             </a:fld>
             <a:endParaRPr lang="en-US" dirty="0"/>
           </a:p>
@@ -2051,7 +2052,7 @@
           <a:p>
             <a:fld id="{B775B80D-1331-EE4F-965A-34CF61D23169}" type="datetime1">
               <a:rPr lang="en-US" smtClean="0"/>
-              <a:t>10/17/16</a:t>
+              <a:t>10/18/16</a:t>
             </a:fld>
             <a:endParaRPr lang="en-US" dirty="0"/>
           </a:p>
@@ -2425,7 +2426,7 @@
           <a:p>
             <a:fld id="{C45B9C78-88AB-C84E-81BF-75A6684DE87A}" type="datetime1">
               <a:rPr lang="en-US" smtClean="0"/>
-              <a:t>10/17/16</a:t>
+              <a:t>10/18/16</a:t>
             </a:fld>
             <a:endParaRPr lang="en-US" dirty="0"/>
           </a:p>
@@ -2538,7 +2539,7 @@
           <a:p>
             <a:fld id="{51F08B9C-8392-8641-A936-8DD6EF438E6A}" type="datetime1">
               <a:rPr lang="en-US" smtClean="0"/>
-              <a:t>10/17/16</a:t>
+              <a:t>10/18/16</a:t>
             </a:fld>
             <a:endParaRPr lang="en-US" dirty="0"/>
           </a:p>
@@ -2704,7 +2705,7 @@
           <a:p>
             <a:fld id="{D367E2B8-0AEE-8543-9C7C-309DD3FFFA22}" type="datetime1">
               <a:rPr lang="en-US" smtClean="0"/>
-              <a:t>10/17/16</a:t>
+              <a:t>10/18/16</a:t>
             </a:fld>
             <a:endParaRPr lang="en-US" dirty="0"/>
           </a:p>
@@ -3054,7 +3055,7 @@
           <a:p>
             <a:fld id="{436494FD-6405-DF43-AC8C-562AEFF28840}" type="datetime1">
               <a:rPr lang="en-US" smtClean="0"/>
-              <a:t>10/17/16</a:t>
+              <a:t>10/18/16</a:t>
             </a:fld>
             <a:endParaRPr lang="en-US" dirty="0"/>
           </a:p>
@@ -3432,7 +3433,7 @@
           <a:p>
             <a:fld id="{35FC0453-898D-8F4B-AC17-41724A5E8087}" type="datetime1">
               <a:rPr lang="en-US" smtClean="0"/>
-              <a:t>10/17/16</a:t>
+              <a:t>10/18/16</a:t>
             </a:fld>
             <a:endParaRPr lang="en-US" dirty="0"/>
           </a:p>
@@ -3714,7 +3715,7 @@
           <a:p>
             <a:fld id="{6743063B-613C-9F4E-83EC-EBCDAB671985}" type="datetime1">
               <a:rPr lang="en-US" smtClean="0"/>
-              <a:t>10/17/16</a:t>
+              <a:t>10/18/16</a:t>
             </a:fld>
             <a:endParaRPr lang="en-US" dirty="0"/>
           </a:p>
@@ -4385,6 +4386,195 @@
           <a:p>
             <a:r>
               <a:rPr lang="en-US" dirty="0" smtClean="0"/>
+              <a:t>Database - Entities</a:t>
+            </a:r>
+            <a:endParaRPr lang="en-US" dirty="0"/>
+          </a:p>
+        </p:txBody>
+      </p:sp>
+      <p:sp>
+        <p:nvSpPr>
+          <p:cNvPr id="3" name="Content Placeholder 2"/>
+          <p:cNvSpPr>
+            <a:spLocks noGrp="1"/>
+          </p:cNvSpPr>
+          <p:nvPr>
+            <p:ph idx="1"/>
+          </p:nvPr>
+        </p:nvSpPr>
+        <p:spPr/>
+        <p:txBody>
+          <a:bodyPr/>
+          <a:lstStyle/>
+          <a:p>
+            <a:pPr lvl="1"/>
+            <a:r>
+              <a:rPr lang="en-US" dirty="0" smtClean="0"/>
+              <a:t>Create, Read, Update, Delete (CRUD)</a:t>
+            </a:r>
+          </a:p>
+          <a:p>
+            <a:pPr lvl="1"/>
+            <a:r>
+              <a:rPr lang="en-US" dirty="0" smtClean="0"/>
+              <a:t>SQL Database Entities</a:t>
+            </a:r>
+          </a:p>
+          <a:p>
+            <a:pPr lvl="1"/>
+            <a:endParaRPr lang="en-US" dirty="0"/>
+          </a:p>
+          <a:p>
+            <a:pPr lvl="1"/>
+            <a:endParaRPr lang="en-US" dirty="0" smtClean="0"/>
+          </a:p>
+          <a:p>
+            <a:pPr lvl="1"/>
+            <a:endParaRPr lang="en-US" dirty="0"/>
+          </a:p>
+          <a:p>
+            <a:pPr lvl="1"/>
+            <a:endParaRPr lang="en-US" dirty="0" smtClean="0"/>
+          </a:p>
+          <a:p>
+            <a:pPr lvl="1"/>
+            <a:r>
+              <a:rPr lang="en-US" dirty="0" smtClean="0"/>
+              <a:t>multi-user, multi-list</a:t>
+            </a:r>
+          </a:p>
+        </p:txBody>
+      </p:sp>
+      <p:sp>
+        <p:nvSpPr>
+          <p:cNvPr id="4" name="Slide Number Placeholder 3"/>
+          <p:cNvSpPr>
+            <a:spLocks noGrp="1"/>
+          </p:cNvSpPr>
+          <p:nvPr>
+            <p:ph type="sldNum" sz="quarter" idx="12"/>
+          </p:nvPr>
+        </p:nvSpPr>
+        <p:spPr/>
+        <p:txBody>
+          <a:bodyPr/>
+          <a:lstStyle/>
+          <a:p>
+            <a:fld id="{6113E31D-E2AB-40D1-8B51-AFA5AFEF393A}" type="slidenum">
+              <a:rPr lang="en-US" smtClean="0"/>
+              <a:t>10</a:t>
+            </a:fld>
+            <a:endParaRPr lang="en-US" dirty="0"/>
+          </a:p>
+        </p:txBody>
+      </p:sp>
+      <p:pic>
+        <p:nvPicPr>
+          <p:cNvPr id="5" name="Picture 4"/>
+          <p:cNvPicPr>
+            <a:picLocks noChangeAspect="1"/>
+          </p:cNvPicPr>
+          <p:nvPr/>
+        </p:nvPicPr>
+        <p:blipFill>
+          <a:blip r:embed="rId2">
+            <a:extLst>
+              <a:ext uri="{28A0092B-C50C-407E-A947-70E740481C1C}">
+                <a14:useLocalDpi xmlns:a14="http://schemas.microsoft.com/office/drawing/2010/main" val="0"/>
+              </a:ext>
+            </a:extLst>
+          </a:blip>
+          <a:stretch>
+            <a:fillRect/>
+          </a:stretch>
+        </p:blipFill>
+        <p:spPr>
+          <a:xfrm>
+            <a:off x="4004733" y="2296478"/>
+            <a:ext cx="1676400" cy="1346200"/>
+          </a:xfrm>
+          <a:prstGeom prst="rect">
+            <a:avLst/>
+          </a:prstGeom>
+        </p:spPr>
+      </p:pic>
+      <p:pic>
+        <p:nvPicPr>
+          <p:cNvPr id="6" name="Picture 5"/>
+          <p:cNvPicPr>
+            <a:picLocks noChangeAspect="1"/>
+          </p:cNvPicPr>
+          <p:nvPr/>
+        </p:nvPicPr>
+        <p:blipFill>
+          <a:blip r:embed="rId3">
+            <a:extLst>
+              <a:ext uri="{28A0092B-C50C-407E-A947-70E740481C1C}">
+                <a14:useLocalDpi xmlns:a14="http://schemas.microsoft.com/office/drawing/2010/main" val="0"/>
+              </a:ext>
+            </a:extLst>
+          </a:blip>
+          <a:stretch>
+            <a:fillRect/>
+          </a:stretch>
+        </p:blipFill>
+        <p:spPr>
+          <a:xfrm>
+            <a:off x="4004733" y="4093422"/>
+            <a:ext cx="5486400" cy="1524000"/>
+          </a:xfrm>
+          <a:prstGeom prst="rect">
+            <a:avLst/>
+          </a:prstGeom>
+        </p:spPr>
+      </p:pic>
+    </p:spTree>
+    <p:extLst>
+      <p:ext uri="{BB962C8B-B14F-4D97-AF65-F5344CB8AC3E}">
+        <p14:creationId xmlns:p14="http://schemas.microsoft.com/office/powerpoint/2010/main" val="1962048193"/>
+      </p:ext>
+    </p:extLst>
+  </p:cSld>
+  <p:clrMapOvr>
+    <a:masterClrMapping/>
+  </p:clrMapOvr>
+</p:sld>
+</file>
+
+<file path=ppt/slides/slide11.xml><?xml version="1.0" encoding="utf-8"?>
+<p:sld xmlns:a="http://schemas.openxmlformats.org/drawingml/2006/main" xmlns:r="http://schemas.openxmlformats.org/officeDocument/2006/relationships" xmlns:p="http://schemas.openxmlformats.org/presentationml/2006/main">
+  <p:cSld>
+    <p:spTree>
+      <p:nvGrpSpPr>
+        <p:cNvPr id="1" name=""/>
+        <p:cNvGrpSpPr/>
+        <p:nvPr/>
+      </p:nvGrpSpPr>
+      <p:grpSpPr>
+        <a:xfrm>
+          <a:off x="0" y="0"/>
+          <a:ext cx="0" cy="0"/>
+          <a:chOff x="0" y="0"/>
+          <a:chExt cx="0" cy="0"/>
+        </a:xfrm>
+      </p:grpSpPr>
+      <p:sp>
+        <p:nvSpPr>
+          <p:cNvPr id="2" name="Title 1"/>
+          <p:cNvSpPr>
+            <a:spLocks noGrp="1"/>
+          </p:cNvSpPr>
+          <p:nvPr>
+            <p:ph type="title"/>
+          </p:nvPr>
+        </p:nvSpPr>
+        <p:spPr/>
+        <p:txBody>
+          <a:bodyPr/>
+          <a:lstStyle/>
+          <a:p>
+            <a:r>
+              <a:rPr lang="en-US" dirty="0" smtClean="0"/>
               <a:t>Database Configuration</a:t>
             </a:r>
             <a:endParaRPr lang="en-US" dirty="0"/>
@@ -4563,7 +4753,6 @@
               <a:rPr lang="en-US" dirty="0" smtClean="0"/>
               <a:t>PHP</a:t>
             </a:r>
-            <a:endParaRPr lang="en-US" dirty="0" smtClean="0"/>
           </a:p>
           <a:p>
             <a:pPr lvl="1"/>
@@ -4588,7 +4777,7 @@
           <a:p>
             <a:fld id="{6113E31D-E2AB-40D1-8B51-AFA5AFEF393A}" type="slidenum">
               <a:rPr lang="en-US" smtClean="0"/>
-              <a:t>10</a:t>
+              <a:t>11</a:t>
             </a:fld>
             <a:endParaRPr lang="en-US" dirty="0"/>
           </a:p>
@@ -4637,306 +4826,6 @@
 </p:sld>
 </file>
 
-<file path=ppt/slides/slide11.xml><?xml version="1.0" encoding="utf-8"?>
-<p:sld xmlns:a="http://schemas.openxmlformats.org/drawingml/2006/main" xmlns:r="http://schemas.openxmlformats.org/officeDocument/2006/relationships" xmlns:p="http://schemas.openxmlformats.org/presentationml/2006/main">
-  <p:cSld>
-    <p:spTree>
-      <p:nvGrpSpPr>
-        <p:cNvPr id="1" name=""/>
-        <p:cNvGrpSpPr/>
-        <p:nvPr/>
-      </p:nvGrpSpPr>
-      <p:grpSpPr>
-        <a:xfrm>
-          <a:off x="0" y="0"/>
-          <a:ext cx="0" cy="0"/>
-          <a:chOff x="0" y="0"/>
-          <a:chExt cx="0" cy="0"/>
-        </a:xfrm>
-      </p:grpSpPr>
-      <p:sp>
-        <p:nvSpPr>
-          <p:cNvPr id="2" name="Title 1"/>
-          <p:cNvSpPr>
-            <a:spLocks noGrp="1"/>
-          </p:cNvSpPr>
-          <p:nvPr>
-            <p:ph type="title"/>
-          </p:nvPr>
-        </p:nvSpPr>
-        <p:spPr/>
-        <p:txBody>
-          <a:bodyPr/>
-          <a:lstStyle/>
-          <a:p>
-            <a:r>
-              <a:rPr lang="en-US" dirty="0" smtClean="0"/>
-              <a:t>Database Connection Strings</a:t>
-            </a:r>
-            <a:endParaRPr lang="en-US" dirty="0"/>
-          </a:p>
-        </p:txBody>
-      </p:sp>
-      <p:sp>
-        <p:nvSpPr>
-          <p:cNvPr id="3" name="Content Placeholder 2"/>
-          <p:cNvSpPr>
-            <a:spLocks noGrp="1"/>
-          </p:cNvSpPr>
-          <p:nvPr>
-            <p:ph idx="1"/>
-          </p:nvPr>
-        </p:nvSpPr>
-        <p:spPr/>
-        <p:txBody>
-          <a:bodyPr>
-            <a:normAutofit lnSpcReduction="10000"/>
-          </a:bodyPr>
-          <a:lstStyle/>
-          <a:p>
-            <a:pPr marL="201168" lvl="1" indent="0">
-              <a:buNone/>
-            </a:pPr>
-            <a:r>
-              <a:rPr lang="en-US" dirty="0" smtClean="0"/>
-              <a:t>Pre-configured connection strings are available for cut/paste</a:t>
-            </a:r>
-          </a:p>
-          <a:p>
-            <a:pPr marL="201168" lvl="1" indent="0">
-              <a:buNone/>
-            </a:pPr>
-            <a:endParaRPr lang="en-US" dirty="0" smtClean="0"/>
-          </a:p>
-          <a:p>
-            <a:pPr lvl="1"/>
-            <a:r>
-              <a:rPr lang="en-US" dirty="0" smtClean="0"/>
-              <a:t>ADO.NET (SQL authentication)</a:t>
-            </a:r>
-          </a:p>
-          <a:p>
-            <a:pPr marL="384048" lvl="2" indent="0">
-              <a:buNone/>
-            </a:pPr>
-            <a:r>
-              <a:rPr lang="en-US" dirty="0" smtClean="0">
-                <a:latin typeface="Courier" charset="0"/>
-                <a:ea typeface="Courier" charset="0"/>
-                <a:cs typeface="Courier" charset="0"/>
-              </a:rPr>
-              <a:t>Server=tcp:4cast.database.windows.net,1433;Initial  </a:t>
-            </a:r>
-            <a:r>
-              <a:rPr lang="mr-IN" dirty="0" smtClean="0">
-                <a:latin typeface="Courier" charset="0"/>
-                <a:ea typeface="Courier" charset="0"/>
-                <a:cs typeface="Courier" charset="0"/>
-              </a:rPr>
-              <a:t>…</a:t>
-            </a:r>
-            <a:endParaRPr lang="en-US" dirty="0" smtClean="0">
-              <a:latin typeface="Courier" charset="0"/>
-              <a:ea typeface="Courier" charset="0"/>
-              <a:cs typeface="Courier" charset="0"/>
-            </a:endParaRPr>
-          </a:p>
-          <a:p>
-            <a:pPr lvl="1"/>
-            <a:endParaRPr lang="en-US" dirty="0" smtClean="0"/>
-          </a:p>
-          <a:p>
-            <a:pPr lvl="1"/>
-            <a:r>
-              <a:rPr lang="en-US" dirty="0" smtClean="0"/>
-              <a:t>ODBC (including </a:t>
-            </a:r>
-            <a:r>
-              <a:rPr lang="en-US" dirty="0" err="1" smtClean="0"/>
-              <a:t>Node.js</a:t>
-            </a:r>
-            <a:r>
-              <a:rPr lang="en-US" dirty="0" smtClean="0"/>
-              <a:t>)</a:t>
-            </a:r>
-          </a:p>
-          <a:p>
-            <a:pPr marL="384048" lvl="2" indent="0">
-              <a:buNone/>
-            </a:pPr>
-            <a:r>
-              <a:rPr lang="en-US" dirty="0">
-                <a:latin typeface="Courier" charset="0"/>
-                <a:ea typeface="Courier" charset="0"/>
-                <a:cs typeface="Courier" charset="0"/>
-              </a:rPr>
-              <a:t>Driver={ODBC Driver 13 for SQL Server</a:t>
-            </a:r>
-            <a:r>
-              <a:rPr lang="en-US" dirty="0">
-                <a:latin typeface="Courier" charset="0"/>
-                <a:ea typeface="Courier" charset="0"/>
-                <a:cs typeface="Courier" charset="0"/>
-              </a:rPr>
-              <a:t>}; </a:t>
-            </a:r>
-            <a:r>
-              <a:rPr lang="mr-IN" dirty="0">
-                <a:latin typeface="Courier" charset="0"/>
-                <a:ea typeface="Courier" charset="0"/>
-                <a:cs typeface="Courier" charset="0"/>
-              </a:rPr>
-              <a:t>…</a:t>
-            </a:r>
-            <a:r>
-              <a:rPr lang="en-US" dirty="0">
-                <a:latin typeface="Courier" charset="0"/>
-                <a:ea typeface="Courier" charset="0"/>
-                <a:cs typeface="Courier" charset="0"/>
-              </a:rPr>
-              <a:t> </a:t>
-            </a:r>
-          </a:p>
-          <a:p>
-            <a:pPr lvl="1"/>
-            <a:endParaRPr lang="en-US" dirty="0"/>
-          </a:p>
-          <a:p>
-            <a:pPr lvl="1"/>
-            <a:r>
-              <a:rPr lang="en-US" dirty="0" smtClean="0"/>
-              <a:t>PHP</a:t>
-            </a:r>
-          </a:p>
-          <a:p>
-            <a:pPr marL="384048" lvl="2" indent="0">
-              <a:buNone/>
-            </a:pPr>
-            <a:r>
-              <a:rPr lang="en-US" dirty="0">
-                <a:latin typeface="Courier" charset="0"/>
-                <a:ea typeface="Courier" charset="0"/>
-                <a:cs typeface="Courier" charset="0"/>
-              </a:rPr>
-              <a:t>Server: 4cast.database.windows.net,1433 </a:t>
-            </a:r>
-            <a:r>
-              <a:rPr lang="en-US" dirty="0">
-                <a:latin typeface="Courier" charset="0"/>
-                <a:ea typeface="Courier" charset="0"/>
-                <a:cs typeface="Courier" charset="0"/>
-              </a:rPr>
-              <a:t>\r\n </a:t>
-            </a:r>
-            <a:r>
-              <a:rPr lang="mr-IN" dirty="0">
-                <a:latin typeface="Courier" charset="0"/>
-                <a:ea typeface="Courier" charset="0"/>
-                <a:cs typeface="Courier" charset="0"/>
-              </a:rPr>
-              <a:t>…</a:t>
-            </a:r>
-            <a:endParaRPr lang="en-US" dirty="0">
-              <a:latin typeface="Courier" charset="0"/>
-              <a:ea typeface="Courier" charset="0"/>
-              <a:cs typeface="Courier" charset="0"/>
-            </a:endParaRPr>
-          </a:p>
-          <a:p>
-            <a:pPr lvl="1"/>
-            <a:endParaRPr lang="en-US" dirty="0"/>
-          </a:p>
-          <a:p>
-            <a:pPr lvl="1"/>
-            <a:r>
-              <a:rPr lang="en-US" dirty="0" smtClean="0"/>
-              <a:t>JDBC</a:t>
-            </a:r>
-          </a:p>
-          <a:p>
-            <a:pPr marL="384048" lvl="2" indent="0">
-              <a:buNone/>
-            </a:pPr>
-            <a:r>
-              <a:rPr lang="en-US" dirty="0" err="1">
-                <a:latin typeface="Courier" charset="0"/>
-                <a:ea typeface="Courier" charset="0"/>
-                <a:cs typeface="Courier" charset="0"/>
-              </a:rPr>
-              <a:t>jdbc:sqlserver</a:t>
-            </a:r>
-            <a:r>
-              <a:rPr lang="en-US" dirty="0">
-                <a:latin typeface="Courier" charset="0"/>
-                <a:ea typeface="Courier" charset="0"/>
-                <a:cs typeface="Courier" charset="0"/>
-              </a:rPr>
-              <a:t>://4cast.database.windows.net:1433;database</a:t>
-            </a:r>
-            <a:r>
-              <a:rPr lang="en-US" dirty="0">
-                <a:latin typeface="Courier" charset="0"/>
-                <a:ea typeface="Courier" charset="0"/>
-                <a:cs typeface="Courier" charset="0"/>
-              </a:rPr>
-              <a:t>= </a:t>
-            </a:r>
-            <a:r>
-              <a:rPr lang="mr-IN" dirty="0">
-                <a:latin typeface="Courier" charset="0"/>
-                <a:ea typeface="Courier" charset="0"/>
-                <a:cs typeface="Courier" charset="0"/>
-              </a:rPr>
-              <a:t>…</a:t>
-            </a:r>
-            <a:endParaRPr lang="en-US" dirty="0">
-              <a:latin typeface="Courier" charset="0"/>
-              <a:ea typeface="Courier" charset="0"/>
-              <a:cs typeface="Courier" charset="0"/>
-            </a:endParaRPr>
-          </a:p>
-          <a:p>
-            <a:pPr lvl="1"/>
-            <a:endParaRPr lang="en-US" dirty="0" smtClean="0"/>
-          </a:p>
-        </p:txBody>
-      </p:sp>
-      <p:sp>
-        <p:nvSpPr>
-          <p:cNvPr id="4" name="Slide Number Placeholder 3"/>
-          <p:cNvSpPr>
-            <a:spLocks noGrp="1"/>
-          </p:cNvSpPr>
-          <p:nvPr>
-            <p:ph type="sldNum" sz="quarter" idx="12"/>
-          </p:nvPr>
-        </p:nvSpPr>
-        <p:spPr/>
-        <p:txBody>
-          <a:bodyPr/>
-          <a:lstStyle/>
-          <a:p>
-            <a:fld id="{6113E31D-E2AB-40D1-8B51-AFA5AFEF393A}" type="slidenum">
-              <a:rPr lang="en-US" smtClean="0"/>
-              <a:t>11</a:t>
-            </a:fld>
-            <a:endParaRPr lang="en-US" dirty="0"/>
-          </a:p>
-        </p:txBody>
-      </p:sp>
-    </p:spTree>
-    <p:extLst>
-      <p:ext uri="{BB962C8B-B14F-4D97-AF65-F5344CB8AC3E}">
-        <p14:creationId xmlns:p14="http://schemas.microsoft.com/office/powerpoint/2010/main" val="1695989638"/>
-      </p:ext>
-    </p:extLst>
-  </p:cSld>
-  <p:clrMapOvr>
-    <a:masterClrMapping/>
-  </p:clrMapOvr>
-</p:sld>
-</file>
-
 <file path=ppt/slides/slide12.xml><?xml version="1.0" encoding="utf-8"?>
 <p:sld xmlns:a="http://schemas.openxmlformats.org/drawingml/2006/main" xmlns:r="http://schemas.openxmlformats.org/officeDocument/2006/relationships" xmlns:p="http://schemas.openxmlformats.org/presentationml/2006/main">
   <p:cSld>
@@ -4971,7 +4860,7 @@
           <a:p>
             <a:r>
               <a:rPr lang="en-US" dirty="0" smtClean="0"/>
-              <a:t>Deployment</a:t>
+              <a:t>Database Connection Strings</a:t>
             </a:r>
             <a:endParaRPr lang="en-US" dirty="0"/>
           </a:p>
@@ -4989,25 +4878,191 @@
         </p:nvSpPr>
         <p:spPr/>
         <p:txBody>
-          <a:bodyPr/>
-          <a:lstStyle/>
+          <a:bodyPr>
+            <a:normAutofit lnSpcReduction="10000"/>
+          </a:bodyPr>
+          <a:lstStyle/>
+          <a:p>
+            <a:pPr marL="201168" lvl="1" indent="0">
+              <a:buNone/>
+            </a:pPr>
+            <a:r>
+              <a:rPr lang="en-US" dirty="0" smtClean="0"/>
+              <a:t>Pre-configured connection strings are available for cut/paste</a:t>
+            </a:r>
+          </a:p>
+          <a:p>
+            <a:pPr marL="201168" lvl="1" indent="0">
+              <a:buNone/>
+            </a:pPr>
+            <a:endParaRPr lang="en-US" dirty="0" smtClean="0"/>
+          </a:p>
           <a:p>
             <a:pPr lvl="1"/>
             <a:r>
               <a:rPr lang="en-US" dirty="0" smtClean="0"/>
-              <a:t>Windows Azure</a:t>
-            </a:r>
+              <a:t>ADO.NET (SQL authentication)</a:t>
+            </a:r>
+          </a:p>
+          <a:p>
+            <a:pPr marL="384048" lvl="2" indent="0">
+              <a:buNone/>
+            </a:pPr>
+            <a:r>
+              <a:rPr lang="en-US" dirty="0" smtClean="0">
+                <a:latin typeface="Courier" charset="0"/>
+                <a:ea typeface="Courier" charset="0"/>
+                <a:cs typeface="Courier" charset="0"/>
+              </a:rPr>
+              <a:t>Server=tcp:4cast.database.windows.net,1433;Initial  </a:t>
+            </a:r>
+            <a:r>
+              <a:rPr lang="mr-IN" dirty="0" smtClean="0">
+                <a:latin typeface="Courier" charset="0"/>
+                <a:ea typeface="Courier" charset="0"/>
+                <a:cs typeface="Courier" charset="0"/>
+              </a:rPr>
+              <a:t>…</a:t>
+            </a:r>
+            <a:endParaRPr lang="en-US" dirty="0" smtClean="0">
+              <a:latin typeface="Courier" charset="0"/>
+              <a:ea typeface="Courier" charset="0"/>
+              <a:cs typeface="Courier" charset="0"/>
+            </a:endParaRPr>
           </a:p>
           <a:p>
             <a:pPr lvl="1"/>
+            <a:endParaRPr lang="en-US" dirty="0" smtClean="0"/>
+          </a:p>
+          <a:p>
+            <a:pPr lvl="1"/>
             <a:r>
               <a:rPr lang="en-US" dirty="0" smtClean="0"/>
-              <a:t>Database Server</a:t>
+              <a:t>ODBC (including </a:t>
+            </a:r>
+            <a:r>
+              <a:rPr lang="en-US" dirty="0" err="1" smtClean="0"/>
+              <a:t>Node.js</a:t>
+            </a:r>
+            <a:r>
+              <a:rPr lang="en-US" dirty="0" smtClean="0"/>
+              <a:t>)</a:t>
+            </a:r>
+          </a:p>
+          <a:p>
+            <a:pPr marL="384048" lvl="2" indent="0">
+              <a:buNone/>
+            </a:pPr>
+            <a:r>
+              <a:rPr lang="en-US" dirty="0">
+                <a:latin typeface="Courier" charset="0"/>
+                <a:ea typeface="Courier" charset="0"/>
+                <a:cs typeface="Courier" charset="0"/>
+              </a:rPr>
+              <a:t>Driver={ODBC Driver 13 for SQL Server}; </a:t>
+            </a:r>
+            <a:r>
+              <a:rPr lang="mr-IN" dirty="0">
+                <a:latin typeface="Courier" charset="0"/>
+                <a:ea typeface="Courier" charset="0"/>
+                <a:cs typeface="Courier" charset="0"/>
+              </a:rPr>
+              <a:t>…</a:t>
+            </a:r>
+            <a:r>
+              <a:rPr lang="en-US" dirty="0">
+                <a:latin typeface="Courier" charset="0"/>
+                <a:ea typeface="Courier" charset="0"/>
+                <a:cs typeface="Courier" charset="0"/>
+              </a:rPr>
+              <a:t> </a:t>
             </a:r>
           </a:p>
           <a:p>
             <a:pPr lvl="1"/>
             <a:endParaRPr lang="en-US" dirty="0"/>
+          </a:p>
+          <a:p>
+            <a:pPr lvl="1"/>
+            <a:r>
+              <a:rPr lang="en-US" dirty="0" smtClean="0"/>
+              <a:t>PHP</a:t>
+            </a:r>
+          </a:p>
+          <a:p>
+            <a:pPr marL="384048" lvl="2" indent="0">
+              <a:buNone/>
+            </a:pPr>
+            <a:r>
+              <a:rPr lang="en-US" dirty="0">
+                <a:latin typeface="Courier" charset="0"/>
+                <a:ea typeface="Courier" charset="0"/>
+                <a:cs typeface="Courier" charset="0"/>
+              </a:rPr>
+              <a:t>Server: 4cast.database.windows.net,1433 \r\n </a:t>
+            </a:r>
+            <a:r>
+              <a:rPr lang="mr-IN" dirty="0">
+                <a:latin typeface="Courier" charset="0"/>
+                <a:ea typeface="Courier" charset="0"/>
+                <a:cs typeface="Courier" charset="0"/>
+              </a:rPr>
+              <a:t>…</a:t>
+            </a:r>
+            <a:endParaRPr lang="en-US" dirty="0">
+              <a:latin typeface="Courier" charset="0"/>
+              <a:ea typeface="Courier" charset="0"/>
+              <a:cs typeface="Courier" charset="0"/>
+            </a:endParaRPr>
+          </a:p>
+          <a:p>
+            <a:pPr lvl="1"/>
+            <a:endParaRPr lang="en-US" dirty="0"/>
+          </a:p>
+          <a:p>
+            <a:pPr lvl="1"/>
+            <a:r>
+              <a:rPr lang="en-US" dirty="0" smtClean="0"/>
+              <a:t>JDBC</a:t>
+            </a:r>
+          </a:p>
+          <a:p>
+            <a:pPr marL="384048" lvl="2" indent="0">
+              <a:buNone/>
+            </a:pPr>
+            <a:r>
+              <a:rPr lang="en-US" dirty="0" err="1">
+                <a:latin typeface="Courier" charset="0"/>
+                <a:ea typeface="Courier" charset="0"/>
+                <a:cs typeface="Courier" charset="0"/>
+              </a:rPr>
+              <a:t>jdbc:sqlserver</a:t>
+            </a:r>
+            <a:r>
+              <a:rPr lang="en-US" dirty="0">
+                <a:latin typeface="Courier" charset="0"/>
+                <a:ea typeface="Courier" charset="0"/>
+                <a:cs typeface="Courier" charset="0"/>
+              </a:rPr>
+              <a:t>://4cast.database.windows.net:1433;database= </a:t>
+            </a:r>
+            <a:r>
+              <a:rPr lang="mr-IN" dirty="0">
+                <a:latin typeface="Courier" charset="0"/>
+                <a:ea typeface="Courier" charset="0"/>
+                <a:cs typeface="Courier" charset="0"/>
+              </a:rPr>
+              <a:t>…</a:t>
+            </a:r>
+            <a:endParaRPr lang="en-US" dirty="0">
+              <a:latin typeface="Courier" charset="0"/>
+              <a:ea typeface="Courier" charset="0"/>
+              <a:cs typeface="Courier" charset="0"/>
+            </a:endParaRPr>
+          </a:p>
+          <a:p>
+            <a:pPr lvl="1"/>
+            <a:endParaRPr lang="en-US" dirty="0" smtClean="0"/>
           </a:p>
         </p:txBody>
       </p:sp>
@@ -5037,7 +5092,7 @@
     </p:spTree>
     <p:extLst>
       <p:ext uri="{BB962C8B-B14F-4D97-AF65-F5344CB8AC3E}">
-        <p14:creationId xmlns:p14="http://schemas.microsoft.com/office/powerpoint/2010/main" val="1053636808"/>
+        <p14:creationId xmlns:p14="http://schemas.microsoft.com/office/powerpoint/2010/main" val="1695989638"/>
       </p:ext>
     </p:extLst>
   </p:cSld>
@@ -5081,7 +5136,7 @@
           <a:p>
             <a:r>
               <a:rPr lang="en-US" dirty="0" smtClean="0"/>
-              <a:t>Security</a:t>
+              <a:t>Deployment</a:t>
             </a:r>
             <a:endParaRPr lang="en-US" dirty="0"/>
           </a:p>
@@ -5102,36 +5157,21 @@
           <a:bodyPr/>
           <a:lstStyle/>
           <a:p>
+            <a:pPr lvl="1"/>
             <a:r>
               <a:rPr lang="en-US" dirty="0" smtClean="0"/>
-              <a:t>Configure Azure SQL server-level firewall</a:t>
+              <a:t>Windows Azure</a:t>
             </a:r>
           </a:p>
           <a:p>
             <a:pPr lvl="1"/>
             <a:r>
               <a:rPr lang="en-US" dirty="0" smtClean="0"/>
-              <a:t>IP-address limited administration</a:t>
+              <a:t>Database Server</a:t>
             </a:r>
           </a:p>
           <a:p>
             <a:pPr lvl="1"/>
-            <a:r>
-              <a:rPr lang="en-US" dirty="0" smtClean="0"/>
-              <a:t>Username/Password connection configured </a:t>
-            </a:r>
-            <a:r>
-              <a:rPr lang="en-US" i="1" dirty="0" smtClean="0"/>
-              <a:t>“</a:t>
-            </a:r>
-            <a:r>
-              <a:rPr lang="en-US" i="1" dirty="0" err="1" smtClean="0"/>
-              <a:t>bobjones</a:t>
-            </a:r>
-            <a:r>
-              <a:rPr lang="en-US" i="1" dirty="0" smtClean="0"/>
-              <a:t>/10birds!”</a:t>
-            </a:r>
             <a:endParaRPr lang="en-US" dirty="0"/>
           </a:p>
         </p:txBody>
@@ -5162,7 +5202,7 @@
     </p:spTree>
     <p:extLst>
       <p:ext uri="{BB962C8B-B14F-4D97-AF65-F5344CB8AC3E}">
-        <p14:creationId xmlns:p14="http://schemas.microsoft.com/office/powerpoint/2010/main" val="211603046"/>
+        <p14:creationId xmlns:p14="http://schemas.microsoft.com/office/powerpoint/2010/main" val="1053636808"/>
       </p:ext>
     </p:extLst>
   </p:cSld>
@@ -5206,7 +5246,7 @@
           <a:p>
             <a:r>
               <a:rPr lang="en-US" dirty="0" smtClean="0"/>
-              <a:t>Demo</a:t>
+              <a:t>Security</a:t>
             </a:r>
             <a:endParaRPr lang="en-US" dirty="0"/>
           </a:p>
@@ -5227,7 +5267,37 @@
           <a:bodyPr/>
           <a:lstStyle/>
           <a:p>
-            <a:endParaRPr lang="en-US"/>
+            <a:r>
+              <a:rPr lang="en-US" dirty="0" smtClean="0"/>
+              <a:t>Configure Azure SQL server-level firewall</a:t>
+            </a:r>
+          </a:p>
+          <a:p>
+            <a:pPr lvl="1"/>
+            <a:r>
+              <a:rPr lang="en-US" dirty="0" smtClean="0"/>
+              <a:t>IP-address limited administration</a:t>
+            </a:r>
+          </a:p>
+          <a:p>
+            <a:pPr lvl="1"/>
+            <a:r>
+              <a:rPr lang="en-US" dirty="0" smtClean="0"/>
+              <a:t>Username/Password connection configured </a:t>
+            </a:r>
+            <a:r>
+              <a:rPr lang="en-US" i="1" dirty="0" smtClean="0"/>
+              <a:t>“</a:t>
+            </a:r>
+            <a:r>
+              <a:rPr lang="en-US" i="1" dirty="0" err="1" smtClean="0"/>
+              <a:t>bobjones</a:t>
+            </a:r>
+            <a:r>
+              <a:rPr lang="en-US" i="1" dirty="0" smtClean="0"/>
+              <a:t>/10birds!”</a:t>
+            </a:r>
+            <a:endParaRPr lang="en-US" dirty="0"/>
           </a:p>
         </p:txBody>
       </p:sp>
@@ -5257,7 +5327,7 @@
     </p:spTree>
     <p:extLst>
       <p:ext uri="{BB962C8B-B14F-4D97-AF65-F5344CB8AC3E}">
-        <p14:creationId xmlns:p14="http://schemas.microsoft.com/office/powerpoint/2010/main" val="2031226321"/>
+        <p14:creationId xmlns:p14="http://schemas.microsoft.com/office/powerpoint/2010/main" val="211603046"/>
       </p:ext>
     </p:extLst>
   </p:cSld>
@@ -5300,9 +5370,10 @@
           <a:lstStyle/>
           <a:p>
             <a:r>
-              <a:rPr lang="en-US" dirty="0"/>
-              <a:t>Lessons Learned</a:t>
-            </a:r>
+              <a:rPr lang="en-US" dirty="0" smtClean="0"/>
+              <a:t>Demo</a:t>
+            </a:r>
+            <a:endParaRPr lang="en-US" dirty="0"/>
           </a:p>
         </p:txBody>
       </p:sp>
@@ -5313,48 +5384,21 @@
             <a:spLocks noGrp="1"/>
           </p:cNvSpPr>
           <p:nvPr>
-            <p:ph sz="half" idx="1"/>
-          </p:nvPr>
-        </p:nvSpPr>
-        <p:spPr/>
-        <p:txBody>
-          <a:bodyPr/>
-          <a:lstStyle/>
-          <a:p>
-            <a:r>
-              <a:rPr lang="en-US" dirty="0" smtClean="0"/>
-              <a:t>What we learned</a:t>
-            </a:r>
-            <a:endParaRPr lang="en-US" dirty="0"/>
-          </a:p>
-        </p:txBody>
-      </p:sp>
-      <p:sp>
-        <p:nvSpPr>
-          <p:cNvPr id="4" name="Content Placeholder 3"/>
-          <p:cNvSpPr>
-            <a:spLocks noGrp="1"/>
-          </p:cNvSpPr>
-          <p:nvPr>
-            <p:ph sz="half" idx="2"/>
-          </p:nvPr>
-        </p:nvSpPr>
-        <p:spPr/>
-        <p:txBody>
-          <a:bodyPr/>
-          <a:lstStyle/>
-          <a:p>
-            <a:r>
-              <a:rPr lang="en-US" dirty="0" smtClean="0"/>
-              <a:t>What could have been better</a:t>
-            </a:r>
-            <a:endParaRPr lang="en-US" dirty="0"/>
-          </a:p>
-        </p:txBody>
-      </p:sp>
-      <p:sp>
-        <p:nvSpPr>
-          <p:cNvPr id="5" name="Slide Number Placeholder 4"/>
+            <p:ph idx="1"/>
+          </p:nvPr>
+        </p:nvSpPr>
+        <p:spPr/>
+        <p:txBody>
+          <a:bodyPr/>
+          <a:lstStyle/>
+          <a:p>
+            <a:endParaRPr lang="en-US"/>
+          </a:p>
+        </p:txBody>
+      </p:sp>
+      <p:sp>
+        <p:nvSpPr>
+          <p:cNvPr id="4" name="Slide Number Placeholder 3"/>
           <p:cNvSpPr>
             <a:spLocks noGrp="1"/>
           </p:cNvSpPr>
@@ -5367,7 +5411,7 @@
           <a:bodyPr/>
           <a:lstStyle/>
           <a:p>
-            <a:fld id="{4FAB73BC-B049-4115-A692-8D63A059BFB8}" type="slidenum">
+            <a:fld id="{6113E31D-E2AB-40D1-8B51-AFA5AFEF393A}" type="slidenum">
               <a:rPr lang="en-US" smtClean="0"/>
               <a:t>15</a:t>
             </a:fld>
@@ -5378,7 +5422,7 @@
     </p:spTree>
     <p:extLst>
       <p:ext uri="{BB962C8B-B14F-4D97-AF65-F5344CB8AC3E}">
-        <p14:creationId xmlns:p14="http://schemas.microsoft.com/office/powerpoint/2010/main" val="1416954666"/>
+        <p14:creationId xmlns:p14="http://schemas.microsoft.com/office/powerpoint/2010/main" val="2031226321"/>
       </p:ext>
     </p:extLst>
   </p:cSld>
@@ -5421,6 +5465,127 @@
           <a:lstStyle/>
           <a:p>
             <a:r>
+              <a:rPr lang="en-US" dirty="0"/>
+              <a:t>Lessons Learned</a:t>
+            </a:r>
+          </a:p>
+        </p:txBody>
+      </p:sp>
+      <p:sp>
+        <p:nvSpPr>
+          <p:cNvPr id="3" name="Content Placeholder 2"/>
+          <p:cNvSpPr>
+            <a:spLocks noGrp="1"/>
+          </p:cNvSpPr>
+          <p:nvPr>
+            <p:ph sz="half" idx="1"/>
+          </p:nvPr>
+        </p:nvSpPr>
+        <p:spPr/>
+        <p:txBody>
+          <a:bodyPr/>
+          <a:lstStyle/>
+          <a:p>
+            <a:r>
+              <a:rPr lang="en-US" dirty="0" smtClean="0"/>
+              <a:t>What we learned</a:t>
+            </a:r>
+            <a:endParaRPr lang="en-US" dirty="0"/>
+          </a:p>
+        </p:txBody>
+      </p:sp>
+      <p:sp>
+        <p:nvSpPr>
+          <p:cNvPr id="4" name="Content Placeholder 3"/>
+          <p:cNvSpPr>
+            <a:spLocks noGrp="1"/>
+          </p:cNvSpPr>
+          <p:nvPr>
+            <p:ph sz="half" idx="2"/>
+          </p:nvPr>
+        </p:nvSpPr>
+        <p:spPr/>
+        <p:txBody>
+          <a:bodyPr/>
+          <a:lstStyle/>
+          <a:p>
+            <a:r>
+              <a:rPr lang="en-US" dirty="0" smtClean="0"/>
+              <a:t>What could have been better</a:t>
+            </a:r>
+            <a:endParaRPr lang="en-US" dirty="0"/>
+          </a:p>
+        </p:txBody>
+      </p:sp>
+      <p:sp>
+        <p:nvSpPr>
+          <p:cNvPr id="5" name="Slide Number Placeholder 4"/>
+          <p:cNvSpPr>
+            <a:spLocks noGrp="1"/>
+          </p:cNvSpPr>
+          <p:nvPr>
+            <p:ph type="sldNum" sz="quarter" idx="12"/>
+          </p:nvPr>
+        </p:nvSpPr>
+        <p:spPr/>
+        <p:txBody>
+          <a:bodyPr/>
+          <a:lstStyle/>
+          <a:p>
+            <a:fld id="{4FAB73BC-B049-4115-A692-8D63A059BFB8}" type="slidenum">
+              <a:rPr lang="en-US" smtClean="0"/>
+              <a:t>16</a:t>
+            </a:fld>
+            <a:endParaRPr lang="en-US" dirty="0"/>
+          </a:p>
+        </p:txBody>
+      </p:sp>
+    </p:spTree>
+    <p:extLst>
+      <p:ext uri="{BB962C8B-B14F-4D97-AF65-F5344CB8AC3E}">
+        <p14:creationId xmlns:p14="http://schemas.microsoft.com/office/powerpoint/2010/main" val="1416954666"/>
+      </p:ext>
+    </p:extLst>
+  </p:cSld>
+  <p:clrMapOvr>
+    <a:masterClrMapping/>
+  </p:clrMapOvr>
+</p:sld>
+</file>
+
+<file path=ppt/slides/slide17.xml><?xml version="1.0" encoding="utf-8"?>
+<p:sld xmlns:a="http://schemas.openxmlformats.org/drawingml/2006/main" xmlns:r="http://schemas.openxmlformats.org/officeDocument/2006/relationships" xmlns:p="http://schemas.openxmlformats.org/presentationml/2006/main">
+  <p:cSld>
+    <p:spTree>
+      <p:nvGrpSpPr>
+        <p:cNvPr id="1" name=""/>
+        <p:cNvGrpSpPr/>
+        <p:nvPr/>
+      </p:nvGrpSpPr>
+      <p:grpSpPr>
+        <a:xfrm>
+          <a:off x="0" y="0"/>
+          <a:ext cx="0" cy="0"/>
+          <a:chOff x="0" y="0"/>
+          <a:chExt cx="0" cy="0"/>
+        </a:xfrm>
+      </p:grpSpPr>
+      <p:sp>
+        <p:nvSpPr>
+          <p:cNvPr id="2" name="Title 1"/>
+          <p:cNvSpPr>
+            <a:spLocks noGrp="1"/>
+          </p:cNvSpPr>
+          <p:nvPr>
+            <p:ph type="title"/>
+          </p:nvPr>
+        </p:nvSpPr>
+        <p:spPr/>
+        <p:txBody>
+          <a:bodyPr/>
+          <a:lstStyle/>
+          <a:p>
+            <a:r>
               <a:rPr lang="en-US" dirty="0" smtClean="0"/>
               <a:t>Questions?</a:t>
             </a:r>
@@ -5464,7 +5629,7 @@
           <a:p>
             <a:fld id="{4FAB73BC-B049-4115-A692-8D63A059BFB8}" type="slidenum">
               <a:rPr lang="en-US" smtClean="0"/>
-              <a:t>16</a:t>
+              <a:t>17</a:t>
             </a:fld>
             <a:endParaRPr lang="en-US" dirty="0"/>
           </a:p>
@@ -6631,7 +6796,6 @@
               <a:rPr lang="en-US" sz="2400" dirty="0" smtClean="0"/>
               <a:t>Business Logic</a:t>
             </a:r>
-            <a:endParaRPr lang="en-US" sz="2400" dirty="0" smtClean="0"/>
           </a:p>
           <a:p>
             <a:pPr lvl="1"/>
@@ -7042,136 +7206,6 @@
       </p:grpSpPr>
       <p:sp>
         <p:nvSpPr>
-          <p:cNvPr id="2" name="Title 1"/>
-          <p:cNvSpPr>
-            <a:spLocks noGrp="1"/>
-          </p:cNvSpPr>
-          <p:nvPr>
-            <p:ph type="title"/>
-          </p:nvPr>
-        </p:nvSpPr>
-        <p:spPr/>
-        <p:txBody>
-          <a:bodyPr/>
-          <a:lstStyle/>
-          <a:p>
-            <a:r>
-              <a:rPr lang="en-US" dirty="0" smtClean="0"/>
-              <a:t>Presentation</a:t>
-            </a:r>
-            <a:endParaRPr lang="en-US" dirty="0"/>
-          </a:p>
-        </p:txBody>
-      </p:sp>
-      <p:sp>
-        <p:nvSpPr>
-          <p:cNvPr id="3" name="Content Placeholder 2"/>
-          <p:cNvSpPr>
-            <a:spLocks noGrp="1"/>
-          </p:cNvSpPr>
-          <p:nvPr>
-            <p:ph idx="1"/>
-          </p:nvPr>
-        </p:nvSpPr>
-        <p:spPr/>
-        <p:txBody>
-          <a:bodyPr/>
-          <a:lstStyle/>
-          <a:p>
-            <a:r>
-              <a:rPr lang="en-US" dirty="0" smtClean="0"/>
-              <a:t>HTML, </a:t>
-            </a:r>
-            <a:r>
-              <a:rPr lang="en-US" dirty="0" smtClean="0"/>
-              <a:t>CSS</a:t>
-            </a:r>
-          </a:p>
-          <a:p>
-            <a:pPr lvl="1"/>
-            <a:r>
-              <a:rPr lang="en-US" dirty="0" smtClean="0"/>
-              <a:t>“input” to create </a:t>
-            </a:r>
-            <a:r>
-              <a:rPr lang="en-US" dirty="0" err="1" smtClean="0"/>
-              <a:t>todos</a:t>
-            </a:r>
-            <a:endParaRPr lang="en-US" dirty="0" smtClean="0"/>
-          </a:p>
-          <a:p>
-            <a:pPr lvl="1"/>
-            <a:r>
-              <a:rPr lang="en-US" dirty="0" smtClean="0"/>
-              <a:t>“</a:t>
-            </a:r>
-            <a:r>
-              <a:rPr lang="en-US" dirty="0" err="1" smtClean="0"/>
-              <a:t>todo</a:t>
-            </a:r>
-            <a:r>
-              <a:rPr lang="en-US" dirty="0" smtClean="0"/>
-              <a:t>-list” lists </a:t>
-            </a:r>
-            <a:r>
-              <a:rPr lang="en-US" dirty="0" err="1" smtClean="0"/>
-              <a:t>todos</a:t>
-            </a:r>
-            <a:r>
-              <a:rPr lang="en-US" dirty="0" smtClean="0"/>
-              <a:t> (each is an “li”</a:t>
-            </a:r>
-          </a:p>
-          <a:p>
-            <a:pPr lvl="1"/>
-            <a:r>
-              <a:rPr lang="en-US" dirty="0" smtClean="0"/>
-              <a:t>“completed” class</a:t>
-            </a:r>
-          </a:p>
-          <a:p>
-            <a:pPr lvl="1"/>
-            <a:r>
-              <a:rPr lang="en-US" dirty="0" smtClean="0"/>
-              <a:t>“editing” class</a:t>
-            </a:r>
-          </a:p>
-          <a:p>
-            <a:pPr lvl="1"/>
-            <a:r>
-              <a:rPr lang="en-US" dirty="0" smtClean="0"/>
-              <a:t>“view” class for neither editing or completed state</a:t>
-            </a:r>
-          </a:p>
-          <a:p>
-            <a:pPr lvl="1"/>
-            <a:r>
-              <a:rPr lang="en-US" dirty="0" smtClean="0"/>
-              <a:t>“label” is the title</a:t>
-            </a:r>
-          </a:p>
-          <a:p>
-            <a:pPr lvl="1"/>
-            <a:r>
-              <a:rPr lang="en-US" dirty="0" smtClean="0"/>
-              <a:t>“checkbox” to toggle complete</a:t>
-            </a:r>
-          </a:p>
-          <a:p>
-            <a:pPr lvl="1"/>
-            <a:r>
-              <a:rPr lang="en-US" dirty="0" smtClean="0"/>
-              <a:t>“destroy” button to delete</a:t>
-            </a:r>
-          </a:p>
-          <a:p>
-            <a:pPr lvl="2"/>
-            <a:endParaRPr lang="en-US" dirty="0"/>
-          </a:p>
-        </p:txBody>
-      </p:sp>
-      <p:sp>
-        <p:nvSpPr>
           <p:cNvPr id="4" name="Slide Number Placeholder 3"/>
           <p:cNvSpPr>
             <a:spLocks noGrp="1"/>
@@ -7193,10 +7227,39 @@
           </a:p>
         </p:txBody>
       </p:sp>
+      <p:pic>
+        <p:nvPicPr>
+          <p:cNvPr id="5" name="Content Placeholder 4"/>
+          <p:cNvPicPr>
+            <a:picLocks noGrp="1" noChangeAspect="1"/>
+          </p:cNvPicPr>
+          <p:nvPr>
+            <p:ph idx="4294967295"/>
+          </p:nvPr>
+        </p:nvPicPr>
+        <p:blipFill>
+          <a:blip r:embed="rId2">
+            <a:extLst>
+              <a:ext uri="{28A0092B-C50C-407E-A947-70E740481C1C}">
+                <a14:useLocalDpi xmlns:a14="http://schemas.microsoft.com/office/drawing/2010/main" val="0"/>
+              </a:ext>
+            </a:extLst>
+          </a:blip>
+          <a:stretch>
+            <a:fillRect/>
+          </a:stretch>
+        </p:blipFill>
+        <p:spPr>
+          <a:xfrm>
+            <a:off x="1044386" y="400049"/>
+            <a:ext cx="10053797" cy="5668963"/>
+          </a:xfrm>
+        </p:spPr>
+      </p:pic>
     </p:spTree>
     <p:extLst>
       <p:ext uri="{BB962C8B-B14F-4D97-AF65-F5344CB8AC3E}">
-        <p14:creationId xmlns:p14="http://schemas.microsoft.com/office/powerpoint/2010/main" val="1235576328"/>
+        <p14:creationId xmlns:p14="http://schemas.microsoft.com/office/powerpoint/2010/main" val="2007714262"/>
       </p:ext>
     </p:extLst>
   </p:cSld>
@@ -7240,7 +7303,7 @@
           <a:p>
             <a:r>
               <a:rPr lang="en-US" dirty="0" smtClean="0"/>
-              <a:t>Business Logic</a:t>
+              <a:t>Presentation</a:t>
             </a:r>
             <a:endParaRPr lang="en-US" dirty="0"/>
           </a:p>
@@ -7261,7 +7324,91 @@
           <a:bodyPr/>
           <a:lstStyle/>
           <a:p>
-            <a:endParaRPr lang="en-US"/>
+            <a:r>
+              <a:rPr lang="en-US" dirty="0" smtClean="0"/>
+              <a:t>HTML, CSS</a:t>
+            </a:r>
+          </a:p>
+          <a:p>
+            <a:pPr lvl="1"/>
+            <a:r>
+              <a:rPr lang="en-US" dirty="0" smtClean="0"/>
+              <a:t>“input” to create </a:t>
+            </a:r>
+            <a:r>
+              <a:rPr lang="en-US" dirty="0" err="1" smtClean="0"/>
+              <a:t>todos</a:t>
+            </a:r>
+            <a:endParaRPr lang="en-US" dirty="0" smtClean="0"/>
+          </a:p>
+          <a:p>
+            <a:pPr lvl="1"/>
+            <a:r>
+              <a:rPr lang="en-US" dirty="0" smtClean="0"/>
+              <a:t>“</a:t>
+            </a:r>
+            <a:r>
+              <a:rPr lang="en-US" dirty="0" err="1" smtClean="0"/>
+              <a:t>todo</a:t>
+            </a:r>
+            <a:r>
+              <a:rPr lang="en-US" dirty="0" smtClean="0"/>
+              <a:t>-list” lists </a:t>
+            </a:r>
+            <a:r>
+              <a:rPr lang="en-US" dirty="0" err="1" smtClean="0"/>
+              <a:t>todos</a:t>
+            </a:r>
+            <a:r>
+              <a:rPr lang="en-US" dirty="0" smtClean="0"/>
+              <a:t> (each is an “li”</a:t>
+            </a:r>
+          </a:p>
+          <a:p>
+            <a:pPr lvl="1"/>
+            <a:r>
+              <a:rPr lang="en-US" dirty="0" smtClean="0"/>
+              <a:t>“completed” class</a:t>
+            </a:r>
+          </a:p>
+          <a:p>
+            <a:pPr lvl="1"/>
+            <a:r>
+              <a:rPr lang="en-US" dirty="0" smtClean="0"/>
+              <a:t>“editing” class</a:t>
+            </a:r>
+          </a:p>
+          <a:p>
+            <a:pPr lvl="1"/>
+            <a:r>
+              <a:rPr lang="en-US" dirty="0" smtClean="0"/>
+              <a:t>“view” class for neither editing or completed state</a:t>
+            </a:r>
+          </a:p>
+          <a:p>
+            <a:pPr lvl="1"/>
+            <a:r>
+              <a:rPr lang="en-US" dirty="0" smtClean="0"/>
+              <a:t>“label” is the title</a:t>
+            </a:r>
+          </a:p>
+          <a:p>
+            <a:pPr lvl="1"/>
+            <a:r>
+              <a:rPr lang="en-US" dirty="0" smtClean="0"/>
+              <a:t>“checkbox” to toggle complete</a:t>
+            </a:r>
+          </a:p>
+          <a:p>
+            <a:pPr lvl="1"/>
+            <a:r>
+              <a:rPr lang="en-US" dirty="0" smtClean="0"/>
+              <a:t>“destroy” button to delete</a:t>
+            </a:r>
+          </a:p>
+          <a:p>
+            <a:pPr lvl="2"/>
+            <a:endParaRPr lang="en-US" dirty="0"/>
           </a:p>
         </p:txBody>
       </p:sp>
@@ -7291,7 +7438,7 @@
     </p:spTree>
     <p:extLst>
       <p:ext uri="{BB962C8B-B14F-4D97-AF65-F5344CB8AC3E}">
-        <p14:creationId xmlns:p14="http://schemas.microsoft.com/office/powerpoint/2010/main" val="883714884"/>
+        <p14:creationId xmlns:p14="http://schemas.microsoft.com/office/powerpoint/2010/main" val="1235576328"/>
       </p:ext>
     </p:extLst>
   </p:cSld>
@@ -7335,7 +7482,7 @@
           <a:p>
             <a:r>
               <a:rPr lang="en-US" dirty="0" smtClean="0"/>
-              <a:t>RESTful API</a:t>
+              <a:t>Business Logic</a:t>
             </a:r>
             <a:endParaRPr lang="en-US" dirty="0"/>
           </a:p>
@@ -7356,18 +7503,7 @@
           <a:bodyPr/>
           <a:lstStyle/>
           <a:p>
-            <a:pPr lvl="1"/>
-            <a:r>
-              <a:rPr lang="en-US" dirty="0" smtClean="0"/>
-              <a:t>Resource Representations</a:t>
-            </a:r>
-          </a:p>
-          <a:p>
-            <a:pPr lvl="1"/>
-            <a:r>
-              <a:rPr lang="en-US" dirty="0" smtClean="0"/>
-              <a:t>URI</a:t>
-            </a:r>
+            <a:endParaRPr lang="en-US"/>
           </a:p>
         </p:txBody>
       </p:sp>
@@ -7397,7 +7533,7 @@
     </p:spTree>
     <p:extLst>
       <p:ext uri="{BB962C8B-B14F-4D97-AF65-F5344CB8AC3E}">
-        <p14:creationId xmlns:p14="http://schemas.microsoft.com/office/powerpoint/2010/main" val="916193511"/>
+        <p14:creationId xmlns:p14="http://schemas.microsoft.com/office/powerpoint/2010/main" val="883714884"/>
       </p:ext>
     </p:extLst>
   </p:cSld>
@@ -7441,7 +7577,7 @@
           <a:p>
             <a:r>
               <a:rPr lang="en-US" dirty="0" smtClean="0"/>
-              <a:t>Database - Entities</a:t>
+              <a:t>RESTful API</a:t>
             </a:r>
             <a:endParaRPr lang="en-US" dirty="0"/>
           </a:p>
@@ -7465,41 +7601,14 @@
             <a:pPr lvl="1"/>
             <a:r>
               <a:rPr lang="en-US" dirty="0" smtClean="0"/>
-              <a:t>Create, Read, Update, Delete (CRUD)</a:t>
+              <a:t>Resource Representations</a:t>
             </a:r>
           </a:p>
           <a:p>
             <a:pPr lvl="1"/>
             <a:r>
               <a:rPr lang="en-US" dirty="0" smtClean="0"/>
-              <a:t>SQL Database </a:t>
-            </a:r>
-            <a:r>
-              <a:rPr lang="en-US" dirty="0" smtClean="0"/>
-              <a:t>Entities</a:t>
-            </a:r>
-          </a:p>
-          <a:p>
-            <a:pPr lvl="1"/>
-            <a:endParaRPr lang="en-US" dirty="0"/>
-          </a:p>
-          <a:p>
-            <a:pPr lvl="1"/>
-            <a:endParaRPr lang="en-US" dirty="0" smtClean="0"/>
-          </a:p>
-          <a:p>
-            <a:pPr lvl="1"/>
-            <a:endParaRPr lang="en-US" dirty="0"/>
-          </a:p>
-          <a:p>
-            <a:pPr lvl="1"/>
-            <a:endParaRPr lang="en-US" dirty="0" smtClean="0"/>
-          </a:p>
-          <a:p>
-            <a:pPr lvl="1"/>
-            <a:r>
-              <a:rPr lang="en-US" dirty="0" smtClean="0"/>
-              <a:t>multi-user, multi-list</a:t>
+              <a:t>URI</a:t>
             </a:r>
           </a:p>
         </p:txBody>
@@ -7527,70 +7636,10 @@
           </a:p>
         </p:txBody>
       </p:sp>
-      <p:pic>
-        <p:nvPicPr>
-          <p:cNvPr id="5" name="Picture 4"/>
-          <p:cNvPicPr>
-            <a:picLocks noChangeAspect="1"/>
-          </p:cNvPicPr>
-          <p:nvPr/>
-        </p:nvPicPr>
-        <p:blipFill>
-          <a:blip r:embed="rId2">
-            <a:extLst>
-              <a:ext uri="{28A0092B-C50C-407E-A947-70E740481C1C}">
-                <a14:useLocalDpi xmlns:a14="http://schemas.microsoft.com/office/drawing/2010/main" val="0"/>
-              </a:ext>
-            </a:extLst>
-          </a:blip>
-          <a:stretch>
-            <a:fillRect/>
-          </a:stretch>
-        </p:blipFill>
-        <p:spPr>
-          <a:xfrm>
-            <a:off x="4004733" y="2296478"/>
-            <a:ext cx="1676400" cy="1346200"/>
-          </a:xfrm>
-          <a:prstGeom prst="rect">
-            <a:avLst/>
-          </a:prstGeom>
-        </p:spPr>
-      </p:pic>
-      <p:pic>
-        <p:nvPicPr>
-          <p:cNvPr id="6" name="Picture 5"/>
-          <p:cNvPicPr>
-            <a:picLocks noChangeAspect="1"/>
-          </p:cNvPicPr>
-          <p:nvPr/>
-        </p:nvPicPr>
-        <p:blipFill>
-          <a:blip r:embed="rId3">
-            <a:extLst>
-              <a:ext uri="{28A0092B-C50C-407E-A947-70E740481C1C}">
-                <a14:useLocalDpi xmlns:a14="http://schemas.microsoft.com/office/drawing/2010/main" val="0"/>
-              </a:ext>
-            </a:extLst>
-          </a:blip>
-          <a:stretch>
-            <a:fillRect/>
-          </a:stretch>
-        </p:blipFill>
-        <p:spPr>
-          <a:xfrm>
-            <a:off x="4004733" y="4093422"/>
-            <a:ext cx="5486400" cy="1524000"/>
-          </a:xfrm>
-          <a:prstGeom prst="rect">
-            <a:avLst/>
-          </a:prstGeom>
-        </p:spPr>
-      </p:pic>
     </p:spTree>
     <p:extLst>
       <p:ext uri="{BB962C8B-B14F-4D97-AF65-F5344CB8AC3E}">
-        <p14:creationId xmlns:p14="http://schemas.microsoft.com/office/powerpoint/2010/main" val="1962048193"/>
+        <p14:creationId xmlns:p14="http://schemas.microsoft.com/office/powerpoint/2010/main" val="916193511"/>
       </p:ext>
     </p:extLst>
   </p:cSld>

--- a/DAT605_4Cast_Todo_Presentation.pptx
+++ b/DAT605_4Cast_Todo_Presentation.pptx
@@ -213,7 +213,7 @@
           <a:p>
             <a:fld id="{03EBEC96-9CBA-C04C-8966-4BA31F7E01E9}" type="datetimeFigureOut">
               <a:rPr lang="en-US" smtClean="0"/>
-              <a:t>10/18/16</a:t>
+              <a:t>10/19/16</a:t>
             </a:fld>
             <a:endParaRPr lang="en-US"/>
           </a:p>
@@ -791,7 +791,7 @@
           <a:p>
             <a:fld id="{E12B2A16-6AC9-2740-989F-A776BE76CDD6}" type="datetime1">
               <a:rPr lang="en-US" smtClean="0"/>
-              <a:t>10/18/16</a:t>
+              <a:t>10/19/16</a:t>
             </a:fld>
             <a:endParaRPr lang="en-US" dirty="0"/>
           </a:p>
@@ -994,7 +994,7 @@
           <a:p>
             <a:fld id="{DBD34CBE-A12E-7041-8292-51DA5AF1941C}" type="datetime1">
               <a:rPr lang="en-US" smtClean="0"/>
-              <a:t>10/18/16</a:t>
+              <a:t>10/19/16</a:t>
             </a:fld>
             <a:endParaRPr lang="en-US" dirty="0"/>
           </a:p>
@@ -1245,7 +1245,7 @@
           <a:p>
             <a:fld id="{E7AA3EE1-52CB-154F-A8D3-B2E2E39086FD}" type="datetime1">
               <a:rPr lang="en-US" smtClean="0"/>
-              <a:t>10/18/16</a:t>
+              <a:t>10/19/16</a:t>
             </a:fld>
             <a:endParaRPr lang="en-US" dirty="0"/>
           </a:p>
@@ -1414,7 +1414,7 @@
           <a:p>
             <a:fld id="{DEAF6EBA-6121-E745-9970-70724AC6C577}" type="datetime1">
               <a:rPr lang="en-US" smtClean="0"/>
-              <a:t>10/18/16</a:t>
+              <a:t>10/19/16</a:t>
             </a:fld>
             <a:endParaRPr lang="en-US" dirty="0"/>
           </a:p>
@@ -1782,7 +1782,7 @@
           <a:p>
             <a:fld id="{A5BEB423-85E4-DC45-989D-97EBBC7C76A5}" type="datetime1">
               <a:rPr lang="en-US" smtClean="0"/>
-              <a:t>10/18/16</a:t>
+              <a:t>10/19/16</a:t>
             </a:fld>
             <a:endParaRPr lang="en-US" dirty="0"/>
           </a:p>
@@ -2052,7 +2052,7 @@
           <a:p>
             <a:fld id="{B775B80D-1331-EE4F-965A-34CF61D23169}" type="datetime1">
               <a:rPr lang="en-US" smtClean="0"/>
-              <a:t>10/18/16</a:t>
+              <a:t>10/19/16</a:t>
             </a:fld>
             <a:endParaRPr lang="en-US" dirty="0"/>
           </a:p>
@@ -2426,7 +2426,7 @@
           <a:p>
             <a:fld id="{C45B9C78-88AB-C84E-81BF-75A6684DE87A}" type="datetime1">
               <a:rPr lang="en-US" smtClean="0"/>
-              <a:t>10/18/16</a:t>
+              <a:t>10/19/16</a:t>
             </a:fld>
             <a:endParaRPr lang="en-US" dirty="0"/>
           </a:p>
@@ -2539,7 +2539,7 @@
           <a:p>
             <a:fld id="{51F08B9C-8392-8641-A936-8DD6EF438E6A}" type="datetime1">
               <a:rPr lang="en-US" smtClean="0"/>
-              <a:t>10/18/16</a:t>
+              <a:t>10/19/16</a:t>
             </a:fld>
             <a:endParaRPr lang="en-US" dirty="0"/>
           </a:p>
@@ -2705,7 +2705,7 @@
           <a:p>
             <a:fld id="{D367E2B8-0AEE-8543-9C7C-309DD3FFFA22}" type="datetime1">
               <a:rPr lang="en-US" smtClean="0"/>
-              <a:t>10/18/16</a:t>
+              <a:t>10/19/16</a:t>
             </a:fld>
             <a:endParaRPr lang="en-US" dirty="0"/>
           </a:p>
@@ -3055,7 +3055,7 @@
           <a:p>
             <a:fld id="{436494FD-6405-DF43-AC8C-562AEFF28840}" type="datetime1">
               <a:rPr lang="en-US" smtClean="0"/>
-              <a:t>10/18/16</a:t>
+              <a:t>10/19/16</a:t>
             </a:fld>
             <a:endParaRPr lang="en-US" dirty="0"/>
           </a:p>
@@ -3433,7 +3433,7 @@
           <a:p>
             <a:fld id="{35FC0453-898D-8F4B-AC17-41724A5E8087}" type="datetime1">
               <a:rPr lang="en-US" smtClean="0"/>
-              <a:t>10/18/16</a:t>
+              <a:t>10/19/16</a:t>
             </a:fld>
             <a:endParaRPr lang="en-US" dirty="0"/>
           </a:p>
@@ -3715,7 +3715,7 @@
           <a:p>
             <a:fld id="{6743063B-613C-9F4E-83EC-EBCDAB671985}" type="datetime1">
               <a:rPr lang="en-US" smtClean="0"/>
-              <a:t>10/18/16</a:t>
+              <a:t>10/19/16</a:t>
             </a:fld>
             <a:endParaRPr lang="en-US" dirty="0"/>
           </a:p>
@@ -4280,9 +4280,19 @@
           <a:p>
             <a:r>
               <a:rPr lang="en-US" dirty="0" smtClean="0"/>
-              <a:t>WEB&amp;CLOUD COMPUTING</a:t>
-            </a:r>
-            <a:endParaRPr lang="en-US" dirty="0"/>
+              <a:t>WEB&amp;CLOUD </a:t>
+            </a:r>
+            <a:r>
+              <a:rPr lang="en-US" dirty="0" smtClean="0"/>
+              <a:t>COMPUTING</a:t>
+            </a:r>
+          </a:p>
+          <a:p>
+            <a:r>
+              <a:rPr lang="en-US" i="1" dirty="0" smtClean="0"/>
+              <a:t>20 Oct 2016</a:t>
+            </a:r>
+            <a:endParaRPr lang="en-US" i="1" dirty="0"/>
           </a:p>
         </p:txBody>
       </p:sp>
@@ -4612,150 +4622,6 @@
           </a:p>
           <a:p>
             <a:pPr lvl="1"/>
-            <a:r>
-              <a:rPr lang="en-US" dirty="0" smtClean="0"/>
-              <a:t>ADO.NET (SQL authentication)</a:t>
-            </a:r>
-          </a:p>
-          <a:p>
-            <a:pPr lvl="1"/>
-            <a:r>
-              <a:rPr lang="en-US" dirty="0"/>
-              <a:t>Server=tcp:4cast.database.windows.net,1433;Initial Catalog=</a:t>
-            </a:r>
-            <a:r>
-              <a:rPr lang="en-US" dirty="0" err="1"/>
-              <a:t>Todo_SQL;Persist</a:t>
-            </a:r>
-            <a:r>
-              <a:rPr lang="en-US" dirty="0"/>
-              <a:t> Security Info=</a:t>
-            </a:r>
-            <a:r>
-              <a:rPr lang="en-US" dirty="0" err="1"/>
-              <a:t>False;User</a:t>
-            </a:r>
-            <a:r>
-              <a:rPr lang="en-US" dirty="0"/>
-              <a:t> ID={</a:t>
-            </a:r>
-            <a:r>
-              <a:rPr lang="en-US" dirty="0" err="1"/>
-              <a:t>your_username</a:t>
-            </a:r>
-            <a:r>
-              <a:rPr lang="en-US" dirty="0"/>
-              <a:t>};Password={</a:t>
-            </a:r>
-            <a:r>
-              <a:rPr lang="en-US" dirty="0" err="1"/>
-              <a:t>your_password</a:t>
-            </a:r>
-            <a:r>
-              <a:rPr lang="en-US" dirty="0"/>
-              <a:t>};</a:t>
-            </a:r>
-            <a:r>
-              <a:rPr lang="en-US" dirty="0" err="1"/>
-              <a:t>MultipleActiveResultSets</a:t>
-            </a:r>
-            <a:r>
-              <a:rPr lang="en-US" dirty="0"/>
-              <a:t>=</a:t>
-            </a:r>
-            <a:r>
-              <a:rPr lang="en-US" dirty="0" err="1"/>
-              <a:t>False;Encrypt</a:t>
-            </a:r>
-            <a:r>
-              <a:rPr lang="en-US" dirty="0"/>
-              <a:t>=</a:t>
-            </a:r>
-            <a:r>
-              <a:rPr lang="en-US" dirty="0" err="1"/>
-              <a:t>True;TrustServerCertificate</a:t>
-            </a:r>
-            <a:r>
-              <a:rPr lang="en-US" dirty="0"/>
-              <a:t>=</a:t>
-            </a:r>
-            <a:r>
-              <a:rPr lang="en-US" dirty="0" err="1"/>
-              <a:t>False;Connection</a:t>
-            </a:r>
-            <a:r>
-              <a:rPr lang="en-US" dirty="0"/>
-              <a:t> Timeout=30</a:t>
-            </a:r>
-            <a:r>
-              <a:rPr lang="en-US" dirty="0" smtClean="0"/>
-              <a:t>;</a:t>
-            </a:r>
-          </a:p>
-          <a:p>
-            <a:pPr lvl="1"/>
-            <a:r>
-              <a:rPr lang="en-US" dirty="0" smtClean="0"/>
-              <a:t>ODBC (including </a:t>
-            </a:r>
-            <a:r>
-              <a:rPr lang="en-US" dirty="0" err="1" smtClean="0"/>
-              <a:t>Node.js</a:t>
-            </a:r>
-            <a:r>
-              <a:rPr lang="en-US" dirty="0" smtClean="0"/>
-              <a:t>)</a:t>
-            </a:r>
-          </a:p>
-          <a:p>
-            <a:pPr lvl="1"/>
-            <a:r>
-              <a:rPr lang="en-US" dirty="0"/>
-              <a:t>Driver={ODBC Driver 13 for SQL Server};Server=tcp:4cast.database.windows.net,1433;Database=</a:t>
-            </a:r>
-            <a:r>
-              <a:rPr lang="en-US" dirty="0" err="1"/>
-              <a:t>Todo_SQL;Uid</a:t>
-            </a:r>
-            <a:r>
-              <a:rPr lang="en-US" dirty="0"/>
-              <a:t>=bobjones@4cast;Pwd={</a:t>
-            </a:r>
-            <a:r>
-              <a:rPr lang="en-US" dirty="0" err="1"/>
-              <a:t>your_password_here</a:t>
-            </a:r>
-            <a:r>
-              <a:rPr lang="en-US" dirty="0"/>
-              <a:t>};Encrypt=</a:t>
-            </a:r>
-            <a:r>
-              <a:rPr lang="en-US" dirty="0" err="1"/>
-              <a:t>yes;TrustServerCertificate</a:t>
-            </a:r>
-            <a:r>
-              <a:rPr lang="en-US" dirty="0"/>
-              <a:t>=</a:t>
-            </a:r>
-            <a:r>
-              <a:rPr lang="en-US" dirty="0" err="1"/>
-              <a:t>no;Connection</a:t>
-            </a:r>
-            <a:r>
-              <a:rPr lang="en-US" dirty="0"/>
-              <a:t> Timeout=30;</a:t>
-            </a:r>
-            <a:endParaRPr lang="en-US" dirty="0" smtClean="0"/>
-          </a:p>
-          <a:p>
-            <a:pPr lvl="1"/>
-            <a:r>
-              <a:rPr lang="en-US" dirty="0" smtClean="0"/>
-              <a:t>PHP</a:t>
-            </a:r>
-          </a:p>
-          <a:p>
-            <a:pPr lvl="1"/>
             <a:endParaRPr lang="en-US" dirty="0" smtClean="0"/>
           </a:p>
         </p:txBody>
@@ -4805,7 +4671,7 @@
         </p:blipFill>
         <p:spPr>
           <a:xfrm>
-            <a:off x="6365664" y="1845734"/>
+            <a:off x="3720937" y="2508351"/>
             <a:ext cx="5098204" cy="2698126"/>
           </a:xfrm>
           <a:prstGeom prst="rect">
@@ -5487,10 +5353,92 @@
           <a:lstStyle/>
           <a:p>
             <a:r>
+              <a:rPr lang="en-US" u="sng" dirty="0" smtClean="0"/>
+              <a:t>What we </a:t>
+            </a:r>
+            <a:r>
+              <a:rPr lang="en-US" u="sng" dirty="0" smtClean="0"/>
+              <a:t>learned</a:t>
+            </a:r>
+          </a:p>
+          <a:p>
+            <a:pPr lvl="2"/>
+            <a:endParaRPr lang="en-US" u="sng" dirty="0" smtClean="0"/>
+          </a:p>
+          <a:p>
+            <a:pPr lvl="1"/>
+            <a:r>
+              <a:rPr lang="en-US" dirty="0" err="1" smtClean="0"/>
+              <a:t>Micrsoft’s</a:t>
+            </a:r>
+            <a:r>
               <a:rPr lang="en-US" dirty="0" smtClean="0"/>
-              <a:t>What we learned</a:t>
-            </a:r>
-            <a:endParaRPr lang="en-US" dirty="0"/>
+              <a:t> Web services (Azure):</a:t>
+            </a:r>
+          </a:p>
+          <a:p>
+            <a:pPr lvl="2"/>
+            <a:r>
+              <a:rPr lang="en-US" dirty="0" smtClean="0"/>
+              <a:t>Database, </a:t>
+            </a:r>
+            <a:r>
+              <a:rPr lang="en-US" dirty="0" smtClean="0"/>
+              <a:t>Web hosting, </a:t>
+            </a:r>
+            <a:r>
+              <a:rPr lang="en-US" dirty="0" smtClean="0"/>
+              <a:t>PaaS</a:t>
+            </a:r>
+          </a:p>
+          <a:p>
+            <a:pPr lvl="2"/>
+            <a:r>
+              <a:rPr lang="en-US" dirty="0" smtClean="0"/>
+              <a:t>User friendly. Well-supported, Intuitive</a:t>
+            </a:r>
+            <a:endParaRPr lang="en-US" dirty="0"/>
+          </a:p>
+          <a:p>
+            <a:pPr lvl="2"/>
+            <a:r>
+              <a:rPr lang="en-US" dirty="0" smtClean="0"/>
+              <a:t>Fully-integrated with GitHub! (</a:t>
+            </a:r>
+            <a:r>
+              <a:rPr lang="en-US" dirty="0" err="1" smtClean="0"/>
+              <a:t>realtime</a:t>
+            </a:r>
+            <a:r>
+              <a:rPr lang="en-US" dirty="0" smtClean="0"/>
+              <a:t> updates!)</a:t>
+            </a:r>
+          </a:p>
+          <a:p>
+            <a:pPr lvl="1"/>
+            <a:r>
+              <a:rPr lang="en-US" dirty="0" smtClean="0"/>
+              <a:t>GitHub is a powerful collaboration tool</a:t>
+            </a:r>
+          </a:p>
+          <a:p>
+            <a:pPr lvl="2"/>
+            <a:r>
+              <a:rPr lang="en-US" dirty="0" smtClean="0"/>
+              <a:t>Sync often!</a:t>
+            </a:r>
+          </a:p>
+          <a:p>
+            <a:pPr lvl="1"/>
+            <a:r>
+              <a:rPr lang="en-US" dirty="0" smtClean="0"/>
+              <a:t>Postman: Excellent tool for testing interaction with </a:t>
+            </a:r>
+            <a:r>
+              <a:rPr lang="en-US" dirty="0" err="1" smtClean="0"/>
+              <a:t>WebApi</a:t>
+            </a:r>
+            <a:endParaRPr lang="en-US" dirty="0" smtClean="0"/>
           </a:p>
         </p:txBody>
       </p:sp>
@@ -5510,9 +5458,72 @@
           <a:lstStyle/>
           <a:p>
             <a:r>
+              <a:rPr lang="en-US" u="sng" dirty="0" smtClean="0"/>
+              <a:t>What could have been </a:t>
+            </a:r>
+            <a:r>
+              <a:rPr lang="en-US" u="sng" dirty="0" smtClean="0"/>
+              <a:t>better</a:t>
+            </a:r>
+          </a:p>
+          <a:p>
+            <a:pPr lvl="2"/>
+            <a:endParaRPr lang="en-US" u="sng" dirty="0" smtClean="0"/>
+          </a:p>
+          <a:p>
+            <a:pPr lvl="1"/>
+            <a:r>
               <a:rPr lang="en-US" dirty="0" smtClean="0"/>
-              <a:t>What could have been better</a:t>
-            </a:r>
+              <a:t>Use .</a:t>
+            </a:r>
+            <a:r>
+              <a:rPr lang="en-US" dirty="0" err="1" smtClean="0"/>
+              <a:t>gitignore</a:t>
+            </a:r>
+            <a:r>
+              <a:rPr lang="en-US" dirty="0" smtClean="0"/>
+              <a:t>!</a:t>
+            </a:r>
+          </a:p>
+          <a:p>
+            <a:pPr lvl="2"/>
+            <a:r>
+              <a:rPr lang="en-US" dirty="0" smtClean="0"/>
+              <a:t>Visual Studio auto-generates A LOT of files ( 1,000 )</a:t>
+            </a:r>
+            <a:endParaRPr lang="en-US" dirty="0" smtClean="0"/>
+          </a:p>
+          <a:p>
+            <a:pPr lvl="1"/>
+            <a:r>
+              <a:rPr lang="en-US" dirty="0" smtClean="0"/>
+              <a:t>Make better use of branches and sync to master more often</a:t>
+            </a:r>
+          </a:p>
+          <a:p>
+            <a:pPr lvl="1"/>
+            <a:r>
+              <a:rPr lang="en-US" dirty="0" smtClean="0"/>
+              <a:t>Had to launch several distinct cloud instances because of firewall issues.</a:t>
+            </a:r>
+          </a:p>
+          <a:p>
+            <a:pPr lvl="1"/>
+            <a:r>
+              <a:rPr lang="en-US" dirty="0" smtClean="0"/>
+              <a:t>Make use of GitHub’s Wiki feature. </a:t>
+            </a:r>
+            <a:r>
+              <a:rPr lang="en-US" dirty="0" err="1" smtClean="0"/>
+              <a:t>Readme.md</a:t>
+            </a:r>
+            <a:r>
+              <a:rPr lang="en-US" dirty="0" smtClean="0"/>
+              <a:t> as a progress/status log could have linked to Wiki pages.</a:t>
+            </a:r>
+            <a:endParaRPr lang="en-US" dirty="0" smtClean="0"/>
+          </a:p>
+          <a:p>
             <a:endParaRPr lang="en-US" dirty="0"/>
           </a:p>
         </p:txBody>
@@ -5590,25 +5601,6 @@
               <a:t>Questions?</a:t>
             </a:r>
             <a:endParaRPr lang="en-US" dirty="0"/>
-          </a:p>
-        </p:txBody>
-      </p:sp>
-      <p:sp>
-        <p:nvSpPr>
-          <p:cNvPr id="3" name="Text Placeholder 2"/>
-          <p:cNvSpPr>
-            <a:spLocks noGrp="1"/>
-          </p:cNvSpPr>
-          <p:nvPr>
-            <p:ph type="body" idx="1"/>
-          </p:nvPr>
-        </p:nvSpPr>
-        <p:spPr/>
-        <p:txBody>
-          <a:bodyPr/>
-          <a:lstStyle/>
-          <a:p>
-            <a:endParaRPr lang="en-US"/>
           </a:p>
         </p:txBody>
       </p:sp>
